--- a/presentations/Web Application Architecture, HTTP protocol, REST.pptx
+++ b/presentations/Web Application Architecture, HTTP protocol, REST.pptx
@@ -263,7 +263,7 @@
           <a:p>
             <a:fld id="{2BA32542-71C5-49D1-9358-3D46B69FBF0F}" type="datetimeFigureOut">
               <a:rPr lang="uk-UA" smtClean="0"/>
-              <a:t>26.01.2020</a:t>
+              <a:t>27.01.2020</a:t>
             </a:fld>
             <a:endParaRPr lang="uk-UA" dirty="0"/>
           </a:p>
@@ -610,19 +610,8 @@
                 <a:ea typeface="+mn-ea"/>
                 <a:cs typeface="+mn-cs"/>
               </a:rPr>
-              <a:t>Веб-додаток - це як звичайний комп'ютерний додаток, за винятком того, що він працює через Інтернет. Оскільки в Інтернеті сьогодні є всі, більшість розробників прагнуть скористатися веб-додатками та залучити якомога більше користувачів за допомогою красивого вигляду і потужного функціоналу.</a:t>
-            </a:r>
-          </a:p>
-          <a:p>
-            <a:endParaRPr lang="uk-UA" sz="1200" b="0" i="0" kern="1200" dirty="0">
-              <a:solidFill>
-                <a:schemeClr val="tx1"/>
-              </a:solidFill>
-              <a:effectLst/>
-              <a:latin typeface="+mn-lt"/>
-              <a:ea typeface="+mn-ea"/>
-              <a:cs typeface="+mn-cs"/>
-            </a:endParaRPr>
+              <a:t>Веб-додаток - це як звичайний комп'ютерний додаток, за винятком того, що він працює через Інтернет.</a:t>
+            </a:r>
           </a:p>
           <a:p>
             <a:r>
@@ -635,7 +624,7 @@
                 <a:ea typeface="+mn-ea"/>
                 <a:cs typeface="+mn-cs"/>
               </a:rPr>
-              <a:t>Перш ніж братися за проект розробки веб-додатків, важливо вибрати тип архітектури веб-додатків, а також модель компонентів веб-додатків. Правильний вибір важливий для успіху веб-програми.</a:t>
+              <a:t>Перш ніж братися за проект розробки веб-додатків, важливо вибрати тип архітектури веб-додатків, а також модель компонентів веб-додатків.</a:t>
             </a:r>
           </a:p>
           <a:p>
@@ -1846,6 +1835,348 @@
           <a:bodyPr/>
           <a:lstStyle/>
           <a:p>
+            <a:pPr rtl="0"/>
+            <a:r>
+              <a:rPr lang="ru-RU" sz="1200" b="0" i="0" kern="1200" dirty="0" err="1">
+                <a:solidFill>
+                  <a:schemeClr val="tx1"/>
+                </a:solidFill>
+                <a:effectLst/>
+                <a:latin typeface="+mn-lt"/>
+                <a:ea typeface="+mn-ea"/>
+                <a:cs typeface="+mn-cs"/>
+              </a:rPr>
+              <a:t>описує</a:t>
+            </a:r>
+            <a:r>
+              <a:rPr lang="ru-RU" sz="1200" b="0" i="0" kern="1200" dirty="0">
+                <a:solidFill>
+                  <a:schemeClr val="tx1"/>
+                </a:solidFill>
+                <a:effectLst/>
+                <a:latin typeface="+mn-lt"/>
+                <a:ea typeface="+mn-ea"/>
+                <a:cs typeface="+mn-cs"/>
+              </a:rPr>
+              <a:t> </a:t>
+            </a:r>
+            <a:r>
+              <a:rPr lang="ru-RU" sz="1200" b="0" i="0" kern="1200" dirty="0" err="1">
+                <a:solidFill>
+                  <a:schemeClr val="tx1"/>
+                </a:solidFill>
+                <a:effectLst/>
+                <a:latin typeface="+mn-lt"/>
+                <a:ea typeface="+mn-ea"/>
+                <a:cs typeface="+mn-cs"/>
+              </a:rPr>
+              <a:t>взаємодію</a:t>
+            </a:r>
+            <a:r>
+              <a:rPr lang="ru-RU" sz="1200" b="0" i="0" kern="1200" dirty="0">
+                <a:solidFill>
+                  <a:schemeClr val="tx1"/>
+                </a:solidFill>
+                <a:effectLst/>
+                <a:latin typeface="+mn-lt"/>
+                <a:ea typeface="+mn-ea"/>
+                <a:cs typeface="+mn-cs"/>
+              </a:rPr>
+              <a:t> </a:t>
+            </a:r>
+            <a:r>
+              <a:rPr lang="ru-RU" sz="1200" b="0" i="0" kern="1200" dirty="0" err="1">
+                <a:solidFill>
+                  <a:schemeClr val="tx1"/>
+                </a:solidFill>
+                <a:effectLst/>
+                <a:latin typeface="+mn-lt"/>
+                <a:ea typeface="+mn-ea"/>
+                <a:cs typeface="+mn-cs"/>
+              </a:rPr>
+              <a:t>між</a:t>
+            </a:r>
+            <a:r>
+              <a:rPr lang="ru-RU" sz="1200" b="0" i="0" kern="1200" dirty="0">
+                <a:solidFill>
+                  <a:schemeClr val="tx1"/>
+                </a:solidFill>
+                <a:effectLst/>
+                <a:latin typeface="+mn-lt"/>
+                <a:ea typeface="+mn-ea"/>
+                <a:cs typeface="+mn-cs"/>
+              </a:rPr>
+              <a:t> </a:t>
+            </a:r>
+            <a:r>
+              <a:rPr lang="ru-RU" sz="1200" b="0" i="0" kern="1200" dirty="0" err="1">
+                <a:solidFill>
+                  <a:schemeClr val="tx1"/>
+                </a:solidFill>
+                <a:effectLst/>
+                <a:latin typeface="+mn-lt"/>
+                <a:ea typeface="+mn-ea"/>
+                <a:cs typeface="+mn-cs"/>
+              </a:rPr>
+              <a:t>додатками</a:t>
+            </a:r>
+            <a:r>
+              <a:rPr lang="ru-RU" sz="1200" b="0" i="0" kern="1200" dirty="0">
+                <a:solidFill>
+                  <a:schemeClr val="tx1"/>
+                </a:solidFill>
+                <a:effectLst/>
+                <a:latin typeface="+mn-lt"/>
+                <a:ea typeface="+mn-ea"/>
+                <a:cs typeface="+mn-cs"/>
+              </a:rPr>
+              <a:t>, базами </a:t>
+            </a:r>
+            <a:r>
+              <a:rPr lang="ru-RU" sz="1200" b="0" i="0" kern="1200" dirty="0" err="1">
+                <a:solidFill>
+                  <a:schemeClr val="tx1"/>
+                </a:solidFill>
+                <a:effectLst/>
+                <a:latin typeface="+mn-lt"/>
+                <a:ea typeface="+mn-ea"/>
+                <a:cs typeface="+mn-cs"/>
+              </a:rPr>
+              <a:t>даних</a:t>
+            </a:r>
+            <a:r>
+              <a:rPr lang="ru-RU" sz="1200" b="0" i="0" kern="1200" dirty="0">
+                <a:solidFill>
+                  <a:schemeClr val="tx1"/>
+                </a:solidFill>
+                <a:effectLst/>
+                <a:latin typeface="+mn-lt"/>
+                <a:ea typeface="+mn-ea"/>
+                <a:cs typeface="+mn-cs"/>
+              </a:rPr>
+              <a:t> та системами </a:t>
+            </a:r>
+            <a:r>
+              <a:rPr lang="ru-RU" sz="1200" b="0" i="0" kern="1200" dirty="0" err="1">
+                <a:solidFill>
+                  <a:schemeClr val="tx1"/>
+                </a:solidFill>
+                <a:effectLst/>
+                <a:latin typeface="+mn-lt"/>
+                <a:ea typeface="+mn-ea"/>
+                <a:cs typeface="+mn-cs"/>
+              </a:rPr>
+              <a:t>проміжного</a:t>
+            </a:r>
+            <a:r>
+              <a:rPr lang="ru-RU" sz="1200" b="0" i="0" kern="1200" dirty="0">
+                <a:solidFill>
+                  <a:schemeClr val="tx1"/>
+                </a:solidFill>
+                <a:effectLst/>
+                <a:latin typeface="+mn-lt"/>
+                <a:ea typeface="+mn-ea"/>
+                <a:cs typeface="+mn-cs"/>
+              </a:rPr>
+              <a:t> </a:t>
+            </a:r>
+            <a:r>
+              <a:rPr lang="ru-RU" sz="1200" b="0" i="0" kern="1200" dirty="0" err="1">
+                <a:solidFill>
+                  <a:schemeClr val="tx1"/>
+                </a:solidFill>
+                <a:effectLst/>
+                <a:latin typeface="+mn-lt"/>
+                <a:ea typeface="+mn-ea"/>
+                <a:cs typeface="+mn-cs"/>
+              </a:rPr>
+              <a:t>програмного</a:t>
+            </a:r>
+            <a:r>
+              <a:rPr lang="ru-RU" sz="1200" b="0" i="0" kern="1200" dirty="0">
+                <a:solidFill>
+                  <a:schemeClr val="tx1"/>
+                </a:solidFill>
+                <a:effectLst/>
+                <a:latin typeface="+mn-lt"/>
+                <a:ea typeface="+mn-ea"/>
+                <a:cs typeface="+mn-cs"/>
+              </a:rPr>
+              <a:t> </a:t>
+            </a:r>
+            <a:r>
+              <a:rPr lang="ru-RU" sz="1200" b="0" i="0" kern="1200" dirty="0" err="1">
+                <a:solidFill>
+                  <a:schemeClr val="tx1"/>
+                </a:solidFill>
+                <a:effectLst/>
+                <a:latin typeface="+mn-lt"/>
+                <a:ea typeface="+mn-ea"/>
+                <a:cs typeface="+mn-cs"/>
+              </a:rPr>
+              <a:t>забезпечення</a:t>
+            </a:r>
+            <a:r>
+              <a:rPr lang="ru-RU" sz="1200" b="0" i="0" kern="1200" dirty="0">
+                <a:solidFill>
+                  <a:schemeClr val="tx1"/>
+                </a:solidFill>
+                <a:effectLst/>
+                <a:latin typeface="+mn-lt"/>
+                <a:ea typeface="+mn-ea"/>
+                <a:cs typeface="+mn-cs"/>
+              </a:rPr>
+              <a:t> в </a:t>
+            </a:r>
+            <a:r>
+              <a:rPr lang="ru-RU" sz="1200" b="0" i="0" kern="1200" dirty="0" err="1">
+                <a:solidFill>
+                  <a:schemeClr val="tx1"/>
+                </a:solidFill>
+                <a:effectLst/>
+                <a:latin typeface="+mn-lt"/>
+                <a:ea typeface="+mn-ea"/>
+                <a:cs typeface="+mn-cs"/>
+              </a:rPr>
+              <a:t>Інтернеті</a:t>
+            </a:r>
+            <a:r>
+              <a:rPr lang="ru-RU" sz="1200" b="0" i="0" kern="1200" dirty="0">
+                <a:solidFill>
+                  <a:schemeClr val="tx1"/>
+                </a:solidFill>
+                <a:effectLst/>
+                <a:latin typeface="+mn-lt"/>
+                <a:ea typeface="+mn-ea"/>
+                <a:cs typeface="+mn-cs"/>
+              </a:rPr>
+              <a:t>. </a:t>
+            </a:r>
+            <a:r>
+              <a:rPr lang="ru-RU" sz="1200" b="0" i="0" kern="1200" dirty="0" err="1">
+                <a:solidFill>
+                  <a:schemeClr val="tx1"/>
+                </a:solidFill>
+                <a:effectLst/>
+                <a:latin typeface="+mn-lt"/>
+                <a:ea typeface="+mn-ea"/>
+                <a:cs typeface="+mn-cs"/>
+              </a:rPr>
+              <a:t>Це</a:t>
+            </a:r>
+            <a:r>
+              <a:rPr lang="ru-RU" sz="1200" b="0" i="0" kern="1200" dirty="0">
+                <a:solidFill>
+                  <a:schemeClr val="tx1"/>
+                </a:solidFill>
+                <a:effectLst/>
+                <a:latin typeface="+mn-lt"/>
+                <a:ea typeface="+mn-ea"/>
+                <a:cs typeface="+mn-cs"/>
+              </a:rPr>
+              <a:t> </a:t>
+            </a:r>
+            <a:r>
+              <a:rPr lang="ru-RU" sz="1200" b="0" i="0" kern="1200" dirty="0" err="1">
+                <a:solidFill>
+                  <a:schemeClr val="tx1"/>
+                </a:solidFill>
+                <a:effectLst/>
+                <a:latin typeface="+mn-lt"/>
+                <a:ea typeface="+mn-ea"/>
+                <a:cs typeface="+mn-cs"/>
+              </a:rPr>
+              <a:t>забезпечує</a:t>
+            </a:r>
+            <a:r>
+              <a:rPr lang="ru-RU" sz="1200" b="0" i="0" kern="1200" dirty="0">
+                <a:solidFill>
+                  <a:schemeClr val="tx1"/>
+                </a:solidFill>
+                <a:effectLst/>
+                <a:latin typeface="+mn-lt"/>
+                <a:ea typeface="+mn-ea"/>
+                <a:cs typeface="+mn-cs"/>
+              </a:rPr>
+              <a:t> </a:t>
+            </a:r>
+            <a:r>
+              <a:rPr lang="ru-RU" sz="1200" b="0" i="0" kern="1200" dirty="0" err="1">
+                <a:solidFill>
+                  <a:schemeClr val="tx1"/>
+                </a:solidFill>
+                <a:effectLst/>
+                <a:latin typeface="+mn-lt"/>
+                <a:ea typeface="+mn-ea"/>
+                <a:cs typeface="+mn-cs"/>
+              </a:rPr>
+              <a:t>одночасну</a:t>
+            </a:r>
+            <a:r>
+              <a:rPr lang="ru-RU" sz="1200" b="0" i="0" kern="1200" dirty="0">
+                <a:solidFill>
+                  <a:schemeClr val="tx1"/>
+                </a:solidFill>
+                <a:effectLst/>
+                <a:latin typeface="+mn-lt"/>
+                <a:ea typeface="+mn-ea"/>
+                <a:cs typeface="+mn-cs"/>
+              </a:rPr>
+              <a:t> роботу </a:t>
+            </a:r>
+            <a:r>
+              <a:rPr lang="ru-RU" sz="1200" b="0" i="0" kern="1200" dirty="0" err="1">
+                <a:solidFill>
+                  <a:schemeClr val="tx1"/>
+                </a:solidFill>
+                <a:effectLst/>
+                <a:latin typeface="+mn-lt"/>
+                <a:ea typeface="+mn-ea"/>
+                <a:cs typeface="+mn-cs"/>
+              </a:rPr>
+              <a:t>декількох</a:t>
+            </a:r>
+            <a:r>
+              <a:rPr lang="ru-RU" sz="1200" b="0" i="0" kern="1200" dirty="0">
+                <a:solidFill>
+                  <a:schemeClr val="tx1"/>
+                </a:solidFill>
+                <a:effectLst/>
+                <a:latin typeface="+mn-lt"/>
+                <a:ea typeface="+mn-ea"/>
+                <a:cs typeface="+mn-cs"/>
+              </a:rPr>
+              <a:t> </a:t>
+            </a:r>
+            <a:r>
+              <a:rPr lang="ru-RU" sz="1200" b="0" i="0" kern="1200" dirty="0" err="1">
+                <a:solidFill>
+                  <a:schemeClr val="tx1"/>
+                </a:solidFill>
+                <a:effectLst/>
+                <a:latin typeface="+mn-lt"/>
+                <a:ea typeface="+mn-ea"/>
+                <a:cs typeface="+mn-cs"/>
+              </a:rPr>
+              <a:t>додатків</a:t>
+            </a:r>
+            <a:r>
+              <a:rPr lang="ru-RU" sz="1200" b="0" i="0" kern="1200" dirty="0">
+                <a:solidFill>
+                  <a:schemeClr val="tx1"/>
+                </a:solidFill>
+                <a:effectLst/>
+                <a:latin typeface="+mn-lt"/>
+                <a:ea typeface="+mn-ea"/>
+                <a:cs typeface="+mn-cs"/>
+              </a:rPr>
+              <a:t>.</a:t>
+            </a:r>
+          </a:p>
+          <a:p>
+            <a:endParaRPr lang="uk-UA" dirty="0"/>
+          </a:p>
+          <a:p>
             <a:r>
               <a:rPr lang="uk-UA" dirty="0"/>
               <a:t>Як тільки користувач натискає кнопку переходу після введення </a:t>
@@ -1865,7 +2196,15 @@
           <a:p>
             <a:r>
               <a:rPr lang="uk-UA" dirty="0"/>
-              <a:t>Нарешті, користувач може взаємодіяти з веб-сайтом. Найважливіше, що тут слід зауважити, - це розбір коду веб-браузером.</a:t>
+              <a:t>Нарешті, користувач може взаємодіяти з веб-сайтом. Найважливіше, що тут слід зауважити, - це </a:t>
+            </a:r>
+            <a:r>
+              <a:rPr lang="uk-UA" dirty="0" err="1"/>
+              <a:t>парсінг</a:t>
+            </a:r>
+            <a:r>
+              <a:rPr lang="uk-UA" dirty="0"/>
+              <a:t> коду веб-браузером.</a:t>
             </a:r>
           </a:p>
         </p:txBody>
@@ -16409,15 +16748,6 @@
 </file>
 
 <file path=customXml/item1.xml><?xml version="1.0" encoding="utf-8"?>
-<?mso-contentType ?>
-<FormTemplates xmlns="http://schemas.microsoft.com/sharepoint/v3/contenttype/forms">
-  <Display>DocumentLibraryForm</Display>
-  <Edit>DocumentLibraryForm</Edit>
-  <New>DocumentLibraryForm</New>
-</FormTemplates>
-</file>
-
-<file path=customXml/item2.xml><?xml version="1.0" encoding="utf-8"?>
 <ct:contentTypeSchema xmlns:ct="http://schemas.microsoft.com/office/2006/metadata/contentType" xmlns:ma="http://schemas.microsoft.com/office/2006/metadata/properties/metaAttributes" ct:_="" ma:_="" ma:contentTypeName="Документ" ma:contentTypeID="0x0101004195FC54A15F344D83577B1CDDD67A5D" ma:contentTypeVersion="9" ma:contentTypeDescription="Создание документа." ma:contentTypeScope="" ma:versionID="961ec8db58076c7d3e9f84b9cd82fd45">
   <xsd:schema xmlns:xsd="http://www.w3.org/2001/XMLSchema" xmlns:xs="http://www.w3.org/2001/XMLSchema" xmlns:p="http://schemas.microsoft.com/office/2006/metadata/properties" xmlns:ns2="341e6018-ac0a-4dfb-8409-db9e0d25502e" xmlns:ns3="835f28f2-30f1-4728-84d2-86d96e143488" targetNamespace="http://schemas.microsoft.com/office/2006/metadata/properties" ma:root="true" ma:fieldsID="bd9f0c80ada20ee560e77d723f3ef44e" ns2:_="" ns3:_="">
     <xsd:import namespace="341e6018-ac0a-4dfb-8409-db9e0d25502e"/>
@@ -16616,7 +16946,7 @@
 </ct:contentTypeSchema>
 </file>
 
-<file path=customXml/item3.xml><?xml version="1.0" encoding="utf-8"?>
+<file path=customXml/item2.xml><?xml version="1.0" encoding="utf-8"?>
 <p:properties xmlns:p="http://schemas.microsoft.com/office/2006/metadata/properties" xmlns:xsi="http://www.w3.org/2001/XMLSchema-instance" xmlns:pc="http://schemas.microsoft.com/office/infopath/2007/PartnerControls">
   <documentManagement>
     <_x041a__x043e__x043c__x0435__x0442__x0430__x0440_ xmlns="835f28f2-30f1-4728-84d2-86d96e143488" xsi:nil="true"/>
@@ -16624,15 +16954,16 @@
 </p:properties>
 </file>
 
-<file path=customXml/itemProps1.xml><?xml version="1.0" encoding="utf-8"?>
-<ds:datastoreItem xmlns:ds="http://schemas.openxmlformats.org/officeDocument/2006/customXml" ds:itemID="{296B3B9E-03D8-4766-BF45-6129617CF026}">
-  <ds:schemaRefs>
-    <ds:schemaRef ds:uri="http://schemas.microsoft.com/sharepoint/v3/contenttype/forms"/>
-  </ds:schemaRefs>
-</ds:datastoreItem>
+<file path=customXml/item3.xml><?xml version="1.0" encoding="utf-8"?>
+<?mso-contentType ?>
+<FormTemplates xmlns="http://schemas.microsoft.com/sharepoint/v3/contenttype/forms">
+  <Display>DocumentLibraryForm</Display>
+  <Edit>DocumentLibraryForm</Edit>
+  <New>DocumentLibraryForm</New>
+</FormTemplates>
 </file>
 
-<file path=customXml/itemProps2.xml><?xml version="1.0" encoding="utf-8"?>
+<file path=customXml/itemProps1.xml><?xml version="1.0" encoding="utf-8"?>
 <ds:datastoreItem xmlns:ds="http://schemas.openxmlformats.org/officeDocument/2006/customXml" ds:itemID="{CAFDAB34-20E1-438F-BCB2-ECDA5496F36D}">
   <ds:schemaRefs>
     <ds:schemaRef ds:uri="http://schemas.microsoft.com/office/2006/metadata/contentType"/>
@@ -16651,7 +16982,7 @@
 </ds:datastoreItem>
 </file>
 
-<file path=customXml/itemProps3.xml><?xml version="1.0" encoding="utf-8"?>
+<file path=customXml/itemProps2.xml><?xml version="1.0" encoding="utf-8"?>
 <ds:datastoreItem xmlns:ds="http://schemas.openxmlformats.org/officeDocument/2006/customXml" ds:itemID="{B3A1340B-3A1B-4156-ADE3-51DF6C2C795D}">
   <ds:schemaRefs>
     <ds:schemaRef ds:uri="http://schemas.microsoft.com/office/2006/documentManagement/types"/>
@@ -16666,4 +16997,12 @@
     <ds:schemaRef ds:uri="http://www.w3.org/XML/1998/namespace"/>
   </ds:schemaRefs>
 </ds:datastoreItem>
+</file>
+
+<file path=customXml/itemProps3.xml><?xml version="1.0" encoding="utf-8"?>
+<ds:datastoreItem xmlns:ds="http://schemas.openxmlformats.org/officeDocument/2006/customXml" ds:itemID="{296B3B9E-03D8-4766-BF45-6129617CF026}">
+  <ds:schemaRefs>
+    <ds:schemaRef ds:uri="http://schemas.microsoft.com/sharepoint/v3/contenttype/forms"/>
+  </ds:schemaRefs>
+</ds:datastoreItem>
 </file>